--- a/e-Sphere_Data_Model.pptx
+++ b/e-Sphere_Data_Model.pptx
@@ -108,6 +108,11 @@
       </a:defRPr>
     </a:lvl9pPr>
   </p:defaultTextStyle>
+  <p:extLst>
+    <p:ext uri="{EFAFB233-063F-42B5-8137-9DF3F51BA10A}">
+      <p15:sldGuideLst xmlns:p15="http://schemas.microsoft.com/office/powerpoint/2012/main"/>
+    </p:ext>
+  </p:extLst>
 </p:presentation>
 </file>
 
@@ -193,7 +198,7 @@
           <a:p>
             <a:fld id="{8FEEB993-AD6C-4934-BC93-BF7F1D024E68}" type="datetimeFigureOut">
               <a:rPr lang="en-US" smtClean="0"/>
-              <a:t>12/1/2017</a:t>
+              <a:t>12/5/2017</a:t>
             </a:fld>
             <a:endParaRPr lang="en-US"/>
           </a:p>
@@ -687,7 +692,7 @@
           <a:p>
             <a:fld id="{52A035D2-7F1A-4422-B146-0C37934DE1C1}" type="datetimeFigureOut">
               <a:rPr lang="en-US" smtClean="0"/>
-              <a:t>12/1/2017</a:t>
+              <a:t>12/5/2017</a:t>
             </a:fld>
             <a:endParaRPr lang="en-US"/>
           </a:p>
@@ -895,7 +900,7 @@
           <a:p>
             <a:fld id="{52A035D2-7F1A-4422-B146-0C37934DE1C1}" type="datetimeFigureOut">
               <a:rPr lang="en-US" smtClean="0"/>
-              <a:t>12/1/2017</a:t>
+              <a:t>12/5/2017</a:t>
             </a:fld>
             <a:endParaRPr lang="en-US"/>
           </a:p>
@@ -1151,7 +1156,7 @@
           <a:p>
             <a:fld id="{52A035D2-7F1A-4422-B146-0C37934DE1C1}" type="datetimeFigureOut">
               <a:rPr lang="en-US" smtClean="0"/>
-              <a:t>12/1/2017</a:t>
+              <a:t>12/5/2017</a:t>
             </a:fld>
             <a:endParaRPr lang="en-US"/>
           </a:p>
@@ -1325,7 +1330,7 @@
           <a:p>
             <a:fld id="{52A035D2-7F1A-4422-B146-0C37934DE1C1}" type="datetimeFigureOut">
               <a:rPr lang="en-US" smtClean="0"/>
-              <a:t>12/1/2017</a:t>
+              <a:t>12/5/2017</a:t>
             </a:fld>
             <a:endParaRPr lang="en-US"/>
           </a:p>
@@ -1668,7 +1673,7 @@
           <a:p>
             <a:fld id="{52A035D2-7F1A-4422-B146-0C37934DE1C1}" type="datetimeFigureOut">
               <a:rPr lang="en-US" smtClean="0"/>
-              <a:t>12/1/2017</a:t>
+              <a:t>12/5/2017</a:t>
             </a:fld>
             <a:endParaRPr lang="en-US"/>
           </a:p>
@@ -1943,7 +1948,7 @@
           <a:p>
             <a:fld id="{52A035D2-7F1A-4422-B146-0C37934DE1C1}" type="datetimeFigureOut">
               <a:rPr lang="en-US" smtClean="0"/>
-              <a:t>12/1/2017</a:t>
+              <a:t>12/5/2017</a:t>
             </a:fld>
             <a:endParaRPr lang="en-US"/>
           </a:p>
@@ -2322,7 +2327,7 @@
           <a:p>
             <a:fld id="{52A035D2-7F1A-4422-B146-0C37934DE1C1}" type="datetimeFigureOut">
               <a:rPr lang="en-US" smtClean="0"/>
-              <a:t>12/1/2017</a:t>
+              <a:t>12/5/2017</a:t>
             </a:fld>
             <a:endParaRPr lang="en-US"/>
           </a:p>
@@ -2440,7 +2445,7 @@
           <a:p>
             <a:fld id="{52A035D2-7F1A-4422-B146-0C37934DE1C1}" type="datetimeFigureOut">
               <a:rPr lang="en-US" smtClean="0"/>
-              <a:t>12/1/2017</a:t>
+              <a:t>12/5/2017</a:t>
             </a:fld>
             <a:endParaRPr lang="en-US"/>
           </a:p>
@@ -2611,7 +2616,7 @@
           <a:p>
             <a:fld id="{52A035D2-7F1A-4422-B146-0C37934DE1C1}" type="datetimeFigureOut">
               <a:rPr lang="en-US" smtClean="0"/>
-              <a:t>12/1/2017</a:t>
+              <a:t>12/5/2017</a:t>
             </a:fld>
             <a:endParaRPr lang="en-US"/>
           </a:p>
@@ -2965,7 +2970,7 @@
           <a:p>
             <a:fld id="{52A035D2-7F1A-4422-B146-0C37934DE1C1}" type="datetimeFigureOut">
               <a:rPr lang="en-US" smtClean="0"/>
-              <a:t>12/1/2017</a:t>
+              <a:t>12/5/2017</a:t>
             </a:fld>
             <a:endParaRPr lang="en-US"/>
           </a:p>
@@ -3347,7 +3352,7 @@
           <a:p>
             <a:fld id="{52A035D2-7F1A-4422-B146-0C37934DE1C1}" type="datetimeFigureOut">
               <a:rPr lang="en-US" smtClean="0"/>
-              <a:t>12/1/2017</a:t>
+              <a:t>12/5/2017</a:t>
             </a:fld>
             <a:endParaRPr lang="en-US"/>
           </a:p>
@@ -3634,7 +3639,7 @@
           <a:p>
             <a:fld id="{52A035D2-7F1A-4422-B146-0C37934DE1C1}" type="datetimeFigureOut">
               <a:rPr lang="en-US" smtClean="0"/>
-              <a:t>12/1/2017</a:t>
+              <a:t>12/5/2017</a:t>
             </a:fld>
             <a:endParaRPr lang="en-US"/>
           </a:p>
@@ -4226,8 +4231,31 @@
           <a:p>
             <a:r>
               <a:rPr lang="en-US" dirty="0" smtClean="0"/>
-              <a:t>				Vivek Patel</a:t>
-            </a:r>
+              <a:t>				Vivek </a:t>
+            </a:r>
+            <a:r>
+              <a:rPr lang="en-US" dirty="0" smtClean="0"/>
+              <a:t>Patel</a:t>
+            </a:r>
+          </a:p>
+          <a:p>
+            <a:r>
+              <a:rPr lang="en-US" dirty="0"/>
+              <a:t>	</a:t>
+            </a:r>
+            <a:r>
+              <a:rPr lang="en-US" dirty="0" smtClean="0"/>
+              <a:t>			</a:t>
+            </a:r>
+            <a:r>
+              <a:rPr lang="en-US" dirty="0" err="1" smtClean="0"/>
+              <a:t>Akshit</a:t>
+            </a:r>
+            <a:r>
+              <a:rPr lang="en-US" dirty="0" smtClean="0"/>
+              <a:t> Shah</a:t>
+            </a:r>
+            <a:endParaRPr lang="en-US" dirty="0" smtClean="0"/>
           </a:p>
         </p:txBody>
       </p:sp>
@@ -4270,25 +4298,6 @@
       </p:grpSpPr>
       <p:sp>
         <p:nvSpPr>
-          <p:cNvPr id="3" name="Content Placeholder 2"/>
-          <p:cNvSpPr>
-            <a:spLocks noGrp="1"/>
-          </p:cNvSpPr>
-          <p:nvPr>
-            <p:ph idx="1"/>
-          </p:nvPr>
-        </p:nvSpPr>
-        <p:spPr/>
-        <p:txBody>
-          <a:bodyPr/>
-          <a:lstStyle/>
-          <a:p>
-            <a:endParaRPr lang="en-US" dirty="0"/>
-          </a:p>
-        </p:txBody>
-      </p:sp>
-      <p:sp>
-        <p:nvSpPr>
           <p:cNvPr id="4" name="Title 1"/>
           <p:cNvSpPr txBox="1">
             <a:spLocks/>
@@ -4346,6 +4355,460 @@
               </a:solidFill>
               <a:latin typeface="[z] Arista" panose="02000500000000020004" pitchFamily="2" charset="0"/>
             </a:endParaRPr>
+          </a:p>
+        </p:txBody>
+      </p:sp>
+      <p:sp>
+        <p:nvSpPr>
+          <p:cNvPr id="2" name="Rounded Rectangle 1"/>
+          <p:cNvSpPr/>
+          <p:nvPr/>
+        </p:nvSpPr>
+        <p:spPr>
+          <a:xfrm>
+            <a:off x="3168978" y="1927781"/>
+            <a:ext cx="3759723" cy="4246776"/>
+          </a:xfrm>
+          <a:prstGeom prst="roundRect">
+            <a:avLst/>
+          </a:prstGeom>
+          <a:solidFill>
+            <a:schemeClr val="bg2">
+              <a:lumMod val="90000"/>
+            </a:schemeClr>
+          </a:solidFill>
+          <a:ln>
+            <a:solidFill>
+              <a:schemeClr val="bg2">
+                <a:lumMod val="25000"/>
+              </a:schemeClr>
+            </a:solidFill>
+          </a:ln>
+        </p:spPr>
+        <p:style>
+          <a:lnRef idx="2">
+            <a:schemeClr val="accent1">
+              <a:shade val="50000"/>
+            </a:schemeClr>
+          </a:lnRef>
+          <a:fillRef idx="1">
+            <a:schemeClr val="accent1"/>
+          </a:fillRef>
+          <a:effectRef idx="0">
+            <a:schemeClr val="accent1"/>
+          </a:effectRef>
+          <a:fontRef idx="minor">
+            <a:schemeClr val="lt1"/>
+          </a:fontRef>
+        </p:style>
+        <p:txBody>
+          <a:bodyPr rtlCol="0" anchor="ctr"/>
+          <a:lstStyle/>
+          <a:p>
+            <a:pPr algn="ctr"/>
+            <a:endParaRPr lang="en-US">
+              <a:solidFill>
+                <a:schemeClr val="tx1"/>
+              </a:solidFill>
+            </a:endParaRPr>
+          </a:p>
+        </p:txBody>
+      </p:sp>
+      <p:sp>
+        <p:nvSpPr>
+          <p:cNvPr id="5" name="TextBox 4"/>
+          <p:cNvSpPr txBox="1"/>
+          <p:nvPr/>
+        </p:nvSpPr>
+        <p:spPr>
+          <a:xfrm>
+            <a:off x="4049598" y="2007909"/>
+            <a:ext cx="1998482" cy="584775"/>
+          </a:xfrm>
+          <a:prstGeom prst="rect">
+            <a:avLst/>
+          </a:prstGeom>
+          <a:noFill/>
+        </p:spPr>
+        <p:txBody>
+          <a:bodyPr wrap="square" rtlCol="0">
+            <a:spAutoFit/>
+          </a:bodyPr>
+          <a:lstStyle/>
+          <a:p>
+            <a:r>
+              <a:rPr lang="en-US" sz="3200" dirty="0" smtClean="0"/>
+              <a:t>Employee</a:t>
+            </a:r>
+            <a:endParaRPr lang="en-US" sz="3200" dirty="0"/>
+          </a:p>
+        </p:txBody>
+      </p:sp>
+      <p:cxnSp>
+        <p:nvCxnSpPr>
+          <p:cNvPr id="7" name="Straight Connector 6"/>
+          <p:cNvCxnSpPr/>
+          <p:nvPr/>
+        </p:nvCxnSpPr>
+        <p:spPr>
+          <a:xfrm>
+            <a:off x="3168978" y="2653642"/>
+            <a:ext cx="3759723" cy="0"/>
+          </a:xfrm>
+          <a:prstGeom prst="line">
+            <a:avLst/>
+          </a:prstGeom>
+          <a:ln>
+            <a:solidFill>
+              <a:schemeClr val="tx1">
+                <a:lumMod val="50000"/>
+                <a:lumOff val="50000"/>
+              </a:schemeClr>
+            </a:solidFill>
+          </a:ln>
+        </p:spPr>
+        <p:style>
+          <a:lnRef idx="1">
+            <a:schemeClr val="accent1"/>
+          </a:lnRef>
+          <a:fillRef idx="0">
+            <a:schemeClr val="accent1"/>
+          </a:fillRef>
+          <a:effectRef idx="0">
+            <a:schemeClr val="accent1"/>
+          </a:effectRef>
+          <a:fontRef idx="minor">
+            <a:schemeClr val="tx1"/>
+          </a:fontRef>
+        </p:style>
+      </p:cxnSp>
+      <p:sp>
+        <p:nvSpPr>
+          <p:cNvPr id="8" name="TextBox 7"/>
+          <p:cNvSpPr txBox="1"/>
+          <p:nvPr/>
+        </p:nvSpPr>
+        <p:spPr>
+          <a:xfrm>
+            <a:off x="3326877" y="2668771"/>
+            <a:ext cx="1074656" cy="369332"/>
+          </a:xfrm>
+          <a:prstGeom prst="rect">
+            <a:avLst/>
+          </a:prstGeom>
+          <a:noFill/>
+        </p:spPr>
+        <p:txBody>
+          <a:bodyPr wrap="square" rtlCol="0">
+            <a:spAutoFit/>
+          </a:bodyPr>
+          <a:lstStyle/>
+          <a:p>
+            <a:r>
+              <a:rPr lang="en-US" dirty="0" smtClean="0"/>
+              <a:t>id</a:t>
+            </a:r>
+            <a:endParaRPr lang="en-US" dirty="0"/>
+          </a:p>
+        </p:txBody>
+      </p:sp>
+      <p:sp>
+        <p:nvSpPr>
+          <p:cNvPr id="9" name="TextBox 8"/>
+          <p:cNvSpPr txBox="1"/>
+          <p:nvPr/>
+        </p:nvSpPr>
+        <p:spPr>
+          <a:xfrm>
+            <a:off x="3326877" y="2960081"/>
+            <a:ext cx="1074656" cy="369332"/>
+          </a:xfrm>
+          <a:prstGeom prst="rect">
+            <a:avLst/>
+          </a:prstGeom>
+          <a:noFill/>
+        </p:spPr>
+        <p:txBody>
+          <a:bodyPr wrap="square" rtlCol="0">
+            <a:spAutoFit/>
+          </a:bodyPr>
+          <a:lstStyle/>
+          <a:p>
+            <a:r>
+              <a:rPr lang="en-US" dirty="0" smtClean="0"/>
+              <a:t>name</a:t>
+            </a:r>
+            <a:endParaRPr lang="en-US" dirty="0"/>
+          </a:p>
+        </p:txBody>
+      </p:sp>
+      <p:sp>
+        <p:nvSpPr>
+          <p:cNvPr id="10" name="TextBox 9"/>
+          <p:cNvSpPr txBox="1"/>
+          <p:nvPr/>
+        </p:nvSpPr>
+        <p:spPr>
+          <a:xfrm>
+            <a:off x="3326877" y="3251391"/>
+            <a:ext cx="1074656" cy="369332"/>
+          </a:xfrm>
+          <a:prstGeom prst="rect">
+            <a:avLst/>
+          </a:prstGeom>
+          <a:noFill/>
+        </p:spPr>
+        <p:txBody>
+          <a:bodyPr wrap="square" rtlCol="0">
+            <a:spAutoFit/>
+          </a:bodyPr>
+          <a:lstStyle/>
+          <a:p>
+            <a:r>
+              <a:rPr lang="en-US" dirty="0" err="1" smtClean="0"/>
+              <a:t>sname</a:t>
+            </a:r>
+            <a:endParaRPr lang="en-US" dirty="0"/>
+          </a:p>
+        </p:txBody>
+      </p:sp>
+      <p:sp>
+        <p:nvSpPr>
+          <p:cNvPr id="12" name="TextBox 11"/>
+          <p:cNvSpPr txBox="1"/>
+          <p:nvPr/>
+        </p:nvSpPr>
+        <p:spPr>
+          <a:xfrm>
+            <a:off x="3326877" y="4416631"/>
+            <a:ext cx="1209774" cy="369332"/>
+          </a:xfrm>
+          <a:prstGeom prst="rect">
+            <a:avLst/>
+          </a:prstGeom>
+          <a:noFill/>
+        </p:spPr>
+        <p:txBody>
+          <a:bodyPr wrap="square" rtlCol="0">
+            <a:spAutoFit/>
+          </a:bodyPr>
+          <a:lstStyle/>
+          <a:p>
+            <a:r>
+              <a:rPr lang="en-US" dirty="0" smtClean="0"/>
+              <a:t>salary</a:t>
+            </a:r>
+            <a:endParaRPr lang="en-US" dirty="0"/>
+          </a:p>
+        </p:txBody>
+      </p:sp>
+      <p:sp>
+        <p:nvSpPr>
+          <p:cNvPr id="13" name="TextBox 12"/>
+          <p:cNvSpPr txBox="1"/>
+          <p:nvPr/>
+        </p:nvSpPr>
+        <p:spPr>
+          <a:xfrm>
+            <a:off x="3326877" y="4707940"/>
+            <a:ext cx="1327609" cy="369332"/>
+          </a:xfrm>
+          <a:prstGeom prst="rect">
+            <a:avLst/>
+          </a:prstGeom>
+          <a:noFill/>
+        </p:spPr>
+        <p:txBody>
+          <a:bodyPr wrap="square" rtlCol="0">
+            <a:spAutoFit/>
+          </a:bodyPr>
+          <a:lstStyle/>
+          <a:p>
+            <a:r>
+              <a:rPr lang="en-US" dirty="0" err="1" smtClean="0"/>
+              <a:t>bloodgroup</a:t>
+            </a:r>
+            <a:endParaRPr lang="en-US" dirty="0"/>
+          </a:p>
+        </p:txBody>
+      </p:sp>
+      <p:sp>
+        <p:nvSpPr>
+          <p:cNvPr id="14" name="TextBox 13"/>
+          <p:cNvSpPr txBox="1"/>
+          <p:nvPr/>
+        </p:nvSpPr>
+        <p:spPr>
+          <a:xfrm>
+            <a:off x="3326877" y="4125321"/>
+            <a:ext cx="1327608" cy="369332"/>
+          </a:xfrm>
+          <a:prstGeom prst="rect">
+            <a:avLst/>
+          </a:prstGeom>
+          <a:noFill/>
+        </p:spPr>
+        <p:txBody>
+          <a:bodyPr wrap="square" rtlCol="0">
+            <a:spAutoFit/>
+          </a:bodyPr>
+          <a:lstStyle/>
+          <a:p>
+            <a:r>
+              <a:rPr lang="en-US" dirty="0" smtClean="0"/>
+              <a:t>designation</a:t>
+            </a:r>
+            <a:endParaRPr lang="en-US" dirty="0"/>
+          </a:p>
+        </p:txBody>
+      </p:sp>
+      <p:sp>
+        <p:nvSpPr>
+          <p:cNvPr id="15" name="TextBox 14"/>
+          <p:cNvSpPr txBox="1"/>
+          <p:nvPr/>
+        </p:nvSpPr>
+        <p:spPr>
+          <a:xfrm>
+            <a:off x="3326877" y="3834011"/>
+            <a:ext cx="1074656" cy="369332"/>
+          </a:xfrm>
+          <a:prstGeom prst="rect">
+            <a:avLst/>
+          </a:prstGeom>
+          <a:noFill/>
+        </p:spPr>
+        <p:txBody>
+          <a:bodyPr wrap="square" rtlCol="0">
+            <a:spAutoFit/>
+          </a:bodyPr>
+          <a:lstStyle/>
+          <a:p>
+            <a:r>
+              <a:rPr lang="en-US" dirty="0" smtClean="0"/>
+              <a:t>gender</a:t>
+            </a:r>
+            <a:endParaRPr lang="en-US" dirty="0"/>
+          </a:p>
+        </p:txBody>
+      </p:sp>
+      <p:sp>
+        <p:nvSpPr>
+          <p:cNvPr id="18" name="TextBox 17"/>
+          <p:cNvSpPr txBox="1"/>
+          <p:nvPr/>
+        </p:nvSpPr>
+        <p:spPr>
+          <a:xfrm>
+            <a:off x="3326877" y="3542701"/>
+            <a:ext cx="1074656" cy="369332"/>
+          </a:xfrm>
+          <a:prstGeom prst="rect">
+            <a:avLst/>
+          </a:prstGeom>
+          <a:noFill/>
+        </p:spPr>
+        <p:txBody>
+          <a:bodyPr wrap="square" rtlCol="0">
+            <a:spAutoFit/>
+          </a:bodyPr>
+          <a:lstStyle/>
+          <a:p>
+            <a:r>
+              <a:rPr lang="en-US" dirty="0" smtClean="0"/>
+              <a:t>email</a:t>
+            </a:r>
+            <a:endParaRPr lang="en-US" dirty="0"/>
+          </a:p>
+        </p:txBody>
+      </p:sp>
+      <p:sp>
+        <p:nvSpPr>
+          <p:cNvPr id="19" name="TextBox 18"/>
+          <p:cNvSpPr txBox="1"/>
+          <p:nvPr/>
+        </p:nvSpPr>
+        <p:spPr>
+          <a:xfrm>
+            <a:off x="3326877" y="5015884"/>
+            <a:ext cx="1327609" cy="369332"/>
+          </a:xfrm>
+          <a:prstGeom prst="rect">
+            <a:avLst/>
+          </a:prstGeom>
+          <a:noFill/>
+        </p:spPr>
+        <p:txBody>
+          <a:bodyPr wrap="square" rtlCol="0">
+            <a:spAutoFit/>
+          </a:bodyPr>
+          <a:lstStyle/>
+          <a:p>
+            <a:r>
+              <a:rPr lang="en-US" dirty="0" smtClean="0"/>
+              <a:t>age</a:t>
+            </a:r>
+            <a:endParaRPr lang="en-US" dirty="0"/>
+          </a:p>
+        </p:txBody>
+      </p:sp>
+      <p:sp>
+        <p:nvSpPr>
+          <p:cNvPr id="20" name="TextBox 19"/>
+          <p:cNvSpPr txBox="1"/>
+          <p:nvPr/>
+        </p:nvSpPr>
+        <p:spPr>
+          <a:xfrm>
+            <a:off x="3326877" y="5260978"/>
+            <a:ext cx="1327609" cy="369332"/>
+          </a:xfrm>
+          <a:prstGeom prst="rect">
+            <a:avLst/>
+          </a:prstGeom>
+          <a:noFill/>
+        </p:spPr>
+        <p:txBody>
+          <a:bodyPr wrap="square" rtlCol="0">
+            <a:spAutoFit/>
+          </a:bodyPr>
+          <a:lstStyle/>
+          <a:p>
+            <a:r>
+              <a:rPr lang="en-US" dirty="0" smtClean="0"/>
+              <a:t>nationality</a:t>
+            </a:r>
+            <a:endParaRPr lang="en-US" dirty="0"/>
+          </a:p>
+        </p:txBody>
+      </p:sp>
+      <p:sp>
+        <p:nvSpPr>
+          <p:cNvPr id="21" name="TextBox 20"/>
+          <p:cNvSpPr txBox="1"/>
+          <p:nvPr/>
+        </p:nvSpPr>
+        <p:spPr>
+          <a:xfrm>
+            <a:off x="3326877" y="5539068"/>
+            <a:ext cx="1327609" cy="369332"/>
+          </a:xfrm>
+          <a:prstGeom prst="rect">
+            <a:avLst/>
+          </a:prstGeom>
+          <a:noFill/>
+        </p:spPr>
+        <p:txBody>
+          <a:bodyPr wrap="square" rtlCol="0">
+            <a:spAutoFit/>
+          </a:bodyPr>
+          <a:lstStyle/>
+          <a:p>
+            <a:r>
+              <a:rPr lang="en-US" dirty="0" smtClean="0"/>
+              <a:t>projects</a:t>
+            </a:r>
+            <a:endParaRPr lang="en-US" dirty="0"/>
           </a:p>
         </p:txBody>
       </p:sp>
